--- a/reports/initialReport/Traffic Management system.pptx
+++ b/reports/initialReport/Traffic Management system.pptx
@@ -200,7 +200,7 @@
           <a:p>
             <a:fld id="{D59259FB-7A10-4439-874D-60573B545F68}" type="datetimeFigureOut">
               <a:rPr lang="en-US" smtClean="0"/>
-              <a:t>2/4/2016</a:t>
+              <a:t>2/7/2016</a:t>
             </a:fld>
             <a:endParaRPr lang="en-US"/>
           </a:p>
@@ -512,7 +512,19 @@
           <a:bodyPr/>
           <a:lstStyle/>
           <a:p>
-            <a:endParaRPr lang="en-US"/>
+            <a:r>
+              <a:rPr lang="en-US" dirty="0" smtClean="0"/>
+              <a:t>Good afternoon</a:t>
+            </a:r>
+            <a:r>
+              <a:rPr lang="en-US" baseline="0" dirty="0" smtClean="0"/>
+              <a:t> ladies and gentleman. Today I will be presenting to you briefly about our Traffic Management System. </a:t>
+            </a:r>
+            <a:r>
+              <a:rPr lang="en-US" baseline="0" smtClean="0"/>
+              <a:t>Well to summarize this project in one word the word would be “gigantic”. </a:t>
+            </a:r>
+            <a:endParaRPr lang="en-US" dirty="0"/>
           </a:p>
         </p:txBody>
       </p:sp>
@@ -543,6 +555,194 @@
     <p:extLst>
       <p:ext uri="{BB962C8B-B14F-4D97-AF65-F5344CB8AC3E}">
         <p14:creationId xmlns:p14="http://schemas.microsoft.com/office/powerpoint/2010/main" val="1740509314"/>
+      </p:ext>
+    </p:extLst>
+  </p:cSld>
+  <p:clrMapOvr>
+    <a:masterClrMapping/>
+  </p:clrMapOvr>
+</p:notes>
+</file>
+
+<file path=ppt/notesSlides/notesSlide2.xml><?xml version="1.0" encoding="utf-8"?>
+<p:notes xmlns:a="http://schemas.openxmlformats.org/drawingml/2006/main" xmlns:r="http://schemas.openxmlformats.org/officeDocument/2006/relationships" xmlns:p="http://schemas.openxmlformats.org/presentationml/2006/main">
+  <p:cSld>
+    <p:spTree>
+      <p:nvGrpSpPr>
+        <p:cNvPr id="1" name=""/>
+        <p:cNvGrpSpPr/>
+        <p:nvPr/>
+      </p:nvGrpSpPr>
+      <p:grpSpPr>
+        <a:xfrm>
+          <a:off x="0" y="0"/>
+          <a:ext cx="0" cy="0"/>
+          <a:chOff x="0" y="0"/>
+          <a:chExt cx="0" cy="0"/>
+        </a:xfrm>
+      </p:grpSpPr>
+      <p:sp>
+        <p:nvSpPr>
+          <p:cNvPr id="2" name="Slide Image Placeholder 1"/>
+          <p:cNvSpPr>
+            <a:spLocks noGrp="1" noRot="1" noChangeAspect="1"/>
+          </p:cNvSpPr>
+          <p:nvPr>
+            <p:ph type="sldImg"/>
+          </p:nvPr>
+        </p:nvSpPr>
+        <p:spPr/>
+      </p:sp>
+      <p:sp>
+        <p:nvSpPr>
+          <p:cNvPr id="3" name="Notes Placeholder 2"/>
+          <p:cNvSpPr>
+            <a:spLocks noGrp="1"/>
+          </p:cNvSpPr>
+          <p:nvPr>
+            <p:ph type="body" idx="1"/>
+          </p:nvPr>
+        </p:nvSpPr>
+        <p:spPr/>
+        <p:txBody>
+          <a:bodyPr/>
+          <a:lstStyle/>
+          <a:p>
+            <a:r>
+              <a:rPr lang="en-US" baseline="0" dirty="0" smtClean="0"/>
+              <a:t>That being said we as a team have still thought to take micro modeling, now I am sure half of you would be asleep by now and remaining half don’t know what is micro modeling. In layman's terms it’s a model where we consider each car as an object so, no generalization based on anything. To achieve our goal we are planning to use Java language. Now first of all as I said this project is gigantic so the basic question is how can we really achieve it without compromising the goals and paths that we have decided to take. Well the first steps which we took as a team was to decide on these two tools. The INTELLIJ and GITHUB, both of them are very versatile tools and very easy to understand, and work with. Now all this tools aren’t of any use without the team members being able to use them efficiently and </a:t>
+            </a:r>
+            <a:r>
+              <a:rPr lang="en-US" baseline="0" dirty="0" err="1" smtClean="0"/>
+              <a:t>possitively</a:t>
+            </a:r>
+            <a:r>
+              <a:rPr lang="en-US" baseline="0" dirty="0" smtClean="0"/>
+              <a:t>, so with that said lets move on to the next slide and see how this is achieved.</a:t>
+            </a:r>
+            <a:endParaRPr lang="en-US" dirty="0"/>
+          </a:p>
+        </p:txBody>
+      </p:sp>
+      <p:sp>
+        <p:nvSpPr>
+          <p:cNvPr id="4" name="Slide Number Placeholder 3"/>
+          <p:cNvSpPr>
+            <a:spLocks noGrp="1"/>
+          </p:cNvSpPr>
+          <p:nvPr>
+            <p:ph type="sldNum" sz="quarter" idx="10"/>
+          </p:nvPr>
+        </p:nvSpPr>
+        <p:spPr/>
+        <p:txBody>
+          <a:bodyPr/>
+          <a:lstStyle/>
+          <a:p>
+            <a:fld id="{434AF725-5115-4534-827B-33BA087D1B46}" type="slidenum">
+              <a:rPr lang="en-US" smtClean="0"/>
+              <a:t>2</a:t>
+            </a:fld>
+            <a:endParaRPr lang="en-US"/>
+          </a:p>
+        </p:txBody>
+      </p:sp>
+    </p:spTree>
+    <p:extLst>
+      <p:ext uri="{BB962C8B-B14F-4D97-AF65-F5344CB8AC3E}">
+        <p14:creationId xmlns:p14="http://schemas.microsoft.com/office/powerpoint/2010/main" val="699686897"/>
+      </p:ext>
+    </p:extLst>
+  </p:cSld>
+  <p:clrMapOvr>
+    <a:masterClrMapping/>
+  </p:clrMapOvr>
+</p:notes>
+</file>
+
+<file path=ppt/notesSlides/notesSlide3.xml><?xml version="1.0" encoding="utf-8"?>
+<p:notes xmlns:a="http://schemas.openxmlformats.org/drawingml/2006/main" xmlns:r="http://schemas.openxmlformats.org/officeDocument/2006/relationships" xmlns:p="http://schemas.openxmlformats.org/presentationml/2006/main">
+  <p:cSld>
+    <p:spTree>
+      <p:nvGrpSpPr>
+        <p:cNvPr id="1" name=""/>
+        <p:cNvGrpSpPr/>
+        <p:nvPr/>
+      </p:nvGrpSpPr>
+      <p:grpSpPr>
+        <a:xfrm>
+          <a:off x="0" y="0"/>
+          <a:ext cx="0" cy="0"/>
+          <a:chOff x="0" y="0"/>
+          <a:chExt cx="0" cy="0"/>
+        </a:xfrm>
+      </p:grpSpPr>
+      <p:sp>
+        <p:nvSpPr>
+          <p:cNvPr id="2" name="Slide Image Placeholder 1"/>
+          <p:cNvSpPr>
+            <a:spLocks noGrp="1" noRot="1" noChangeAspect="1"/>
+          </p:cNvSpPr>
+          <p:nvPr>
+            <p:ph type="sldImg"/>
+          </p:nvPr>
+        </p:nvSpPr>
+        <p:spPr/>
+      </p:sp>
+      <p:sp>
+        <p:nvSpPr>
+          <p:cNvPr id="3" name="Notes Placeholder 2"/>
+          <p:cNvSpPr>
+            <a:spLocks noGrp="1"/>
+          </p:cNvSpPr>
+          <p:nvPr>
+            <p:ph type="body" idx="1"/>
+          </p:nvPr>
+        </p:nvSpPr>
+        <p:spPr/>
+        <p:txBody>
+          <a:bodyPr/>
+          <a:lstStyle/>
+          <a:p>
+            <a:r>
+              <a:rPr lang="en-US" dirty="0" smtClean="0"/>
+              <a:t>So</a:t>
+            </a:r>
+            <a:r>
+              <a:rPr lang="en-US" baseline="0" dirty="0" smtClean="0"/>
+              <a:t> here we have the team organization. Now the very first point that we had to have was equal participation, and this is easier said than done, because we all come from different backgrounds and have different experiences, thus it’s practically not possible to make 100% sure that we get equal participation from everyone. So here is what we decided to do, lets say one team member isn’t as good as the others at coding, but they are good at other things such as documenting or management. So this member will be given more work from those two aspects. This doesn't mean  he won’t be participating in their weak aspect of the project, just means that what loss we have in one section, will be made up for the extra work in another section. Now we also knew there will be disputes, so we made a process to resolve them. Simple and easy, talk it out, if not debate it out, still no go for a group poll, and accept the decision without any ill feelings. Obviously the feelings part is just a suggestion, nothing else. Till now the progress on the project has been good, which my team member will show to you in sometime, but let’s get on with the why. Well first reason is our coordination, we have been having weekly meetings without any coordination issues. The members are very well aware of the meetings well in advance and rarely we have had absentees. We also have made sure we have a second day, just incase we can’t meet on the planed day for some reason or we have extra work which needs attention. To make this really work out we use Trello and Hip Chat. Trello is a tool that helps us keep a track of the work that is done and needs to be done. Hip Chat is for chatting with friends, well you must be wondering why not use what’s app or any other messaging app. The main reason is with Hip Chat we get updates about everything, about what files have been saved, by whom when. All this inside the chatroom. This makes it very easy for one to manage things, and talk about things without having to explain a lot. With that said I think I have explained a lot now and it’s time for someone else to come and explain the remaining aspects of the project, so thank you very much for trying to listen to me, have a nice day!</a:t>
+            </a:r>
+            <a:endParaRPr lang="en-US" dirty="0"/>
+          </a:p>
+        </p:txBody>
+      </p:sp>
+      <p:sp>
+        <p:nvSpPr>
+          <p:cNvPr id="4" name="Slide Number Placeholder 3"/>
+          <p:cNvSpPr>
+            <a:spLocks noGrp="1"/>
+          </p:cNvSpPr>
+          <p:nvPr>
+            <p:ph type="sldNum" sz="quarter" idx="10"/>
+          </p:nvPr>
+        </p:nvSpPr>
+        <p:spPr/>
+        <p:txBody>
+          <a:bodyPr/>
+          <a:lstStyle/>
+          <a:p>
+            <a:fld id="{434AF725-5115-4534-827B-33BA087D1B46}" type="slidenum">
+              <a:rPr lang="en-US" smtClean="0"/>
+              <a:t>3</a:t>
+            </a:fld>
+            <a:endParaRPr lang="en-US"/>
+          </a:p>
+        </p:txBody>
+      </p:sp>
+    </p:spTree>
+    <p:extLst>
+      <p:ext uri="{BB962C8B-B14F-4D97-AF65-F5344CB8AC3E}">
+        <p14:creationId xmlns:p14="http://schemas.microsoft.com/office/powerpoint/2010/main" val="1340619408"/>
       </p:ext>
     </p:extLst>
   </p:cSld>
@@ -781,7 +981,7 @@
           <a:p>
             <a:fld id="{62ED8FAF-74E8-490D-A8BD-0DC8256C67E4}" type="datetimeFigureOut">
               <a:rPr lang="en-US" smtClean="0"/>
-              <a:t>2/4/2016</a:t>
+              <a:t>2/7/2016</a:t>
             </a:fld>
             <a:endParaRPr lang="en-US"/>
           </a:p>
@@ -1122,7 +1322,7 @@
           <a:p>
             <a:fld id="{62ED8FAF-74E8-490D-A8BD-0DC8256C67E4}" type="datetimeFigureOut">
               <a:rPr lang="en-US" smtClean="0"/>
-              <a:t>2/4/2016</a:t>
+              <a:t>2/7/2016</a:t>
             </a:fld>
             <a:endParaRPr lang="en-US"/>
           </a:p>
@@ -1400,7 +1600,7 @@
           <a:p>
             <a:fld id="{62ED8FAF-74E8-490D-A8BD-0DC8256C67E4}" type="datetimeFigureOut">
               <a:rPr lang="en-US" smtClean="0"/>
-              <a:t>2/4/2016</a:t>
+              <a:t>2/7/2016</a:t>
             </a:fld>
             <a:endParaRPr lang="en-US"/>
           </a:p>
@@ -1968,7 +2168,7 @@
           <a:p>
             <a:fld id="{62ED8FAF-74E8-490D-A8BD-0DC8256C67E4}" type="datetimeFigureOut">
               <a:rPr lang="en-US" smtClean="0"/>
-              <a:t>2/4/2016</a:t>
+              <a:t>2/7/2016</a:t>
             </a:fld>
             <a:endParaRPr lang="en-US"/>
           </a:p>
@@ -2246,7 +2446,7 @@
           <a:p>
             <a:fld id="{62ED8FAF-74E8-490D-A8BD-0DC8256C67E4}" type="datetimeFigureOut">
               <a:rPr lang="en-US" smtClean="0"/>
-              <a:t>2/4/2016</a:t>
+              <a:t>2/7/2016</a:t>
             </a:fld>
             <a:endParaRPr lang="en-US"/>
           </a:p>
@@ -2808,7 +3008,7 @@
           <a:p>
             <a:fld id="{62ED8FAF-74E8-490D-A8BD-0DC8256C67E4}" type="datetimeFigureOut">
               <a:rPr lang="en-US" smtClean="0"/>
-              <a:t>2/4/2016</a:t>
+              <a:t>2/7/2016</a:t>
             </a:fld>
             <a:endParaRPr lang="en-US"/>
           </a:p>
@@ -3135,7 +3335,7 @@
           <a:p>
             <a:fld id="{62ED8FAF-74E8-490D-A8BD-0DC8256C67E4}" type="datetimeFigureOut">
               <a:rPr lang="en-US" smtClean="0"/>
-              <a:t>2/4/2016</a:t>
+              <a:t>2/7/2016</a:t>
             </a:fld>
             <a:endParaRPr lang="en-US"/>
           </a:p>
@@ -3312,7 +3512,7 @@
           <a:p>
             <a:fld id="{62ED8FAF-74E8-490D-A8BD-0DC8256C67E4}" type="datetimeFigureOut">
               <a:rPr lang="en-US" smtClean="0"/>
-              <a:t>2/4/2016</a:t>
+              <a:t>2/7/2016</a:t>
             </a:fld>
             <a:endParaRPr lang="en-US"/>
           </a:p>
@@ -3550,7 +3750,7 @@
           <a:p>
             <a:fld id="{62ED8FAF-74E8-490D-A8BD-0DC8256C67E4}" type="datetimeFigureOut">
               <a:rPr lang="en-US" smtClean="0"/>
-              <a:t>2/4/2016</a:t>
+              <a:t>2/7/2016</a:t>
             </a:fld>
             <a:endParaRPr lang="en-US"/>
           </a:p>
@@ -3750,7 +3950,7 @@
           <a:p>
             <a:fld id="{62ED8FAF-74E8-490D-A8BD-0DC8256C67E4}" type="datetimeFigureOut">
               <a:rPr lang="en-US" smtClean="0"/>
-              <a:t>2/4/2016</a:t>
+              <a:t>2/7/2016</a:t>
             </a:fld>
             <a:endParaRPr lang="en-US"/>
           </a:p>
@@ -4026,7 +4226,7 @@
           <a:p>
             <a:fld id="{62ED8FAF-74E8-490D-A8BD-0DC8256C67E4}" type="datetimeFigureOut">
               <a:rPr lang="en-US" smtClean="0"/>
-              <a:t>2/4/2016</a:t>
+              <a:t>2/7/2016</a:t>
             </a:fld>
             <a:endParaRPr lang="en-US"/>
           </a:p>
@@ -4292,7 +4492,7 @@
           <a:p>
             <a:fld id="{62ED8FAF-74E8-490D-A8BD-0DC8256C67E4}" type="datetimeFigureOut">
               <a:rPr lang="en-US" smtClean="0"/>
-              <a:t>2/4/2016</a:t>
+              <a:t>2/7/2016</a:t>
             </a:fld>
             <a:endParaRPr lang="en-US"/>
           </a:p>
@@ -4666,7 +4866,7 @@
           <a:p>
             <a:fld id="{62ED8FAF-74E8-490D-A8BD-0DC8256C67E4}" type="datetimeFigureOut">
               <a:rPr lang="en-US" smtClean="0"/>
-              <a:t>2/4/2016</a:t>
+              <a:t>2/7/2016</a:t>
             </a:fld>
             <a:endParaRPr lang="en-US"/>
           </a:p>
@@ -4814,7 +5014,7 @@
           <a:p>
             <a:fld id="{62ED8FAF-74E8-490D-A8BD-0DC8256C67E4}" type="datetimeFigureOut">
               <a:rPr lang="en-US" smtClean="0"/>
-              <a:t>2/4/2016</a:t>
+              <a:t>2/7/2016</a:t>
             </a:fld>
             <a:endParaRPr lang="en-US"/>
           </a:p>
@@ -4939,7 +5139,7 @@
           <a:p>
             <a:fld id="{62ED8FAF-74E8-490D-A8BD-0DC8256C67E4}" type="datetimeFigureOut">
               <a:rPr lang="en-US" smtClean="0"/>
-              <a:t>2/4/2016</a:t>
+              <a:t>2/7/2016</a:t>
             </a:fld>
             <a:endParaRPr lang="en-US"/>
           </a:p>
@@ -5224,7 +5424,7 @@
           <a:p>
             <a:fld id="{62ED8FAF-74E8-490D-A8BD-0DC8256C67E4}" type="datetimeFigureOut">
               <a:rPr lang="en-US" smtClean="0"/>
-              <a:t>2/4/2016</a:t>
+              <a:t>2/7/2016</a:t>
             </a:fld>
             <a:endParaRPr lang="en-US"/>
           </a:p>
@@ -5548,7 +5748,7 @@
           <a:p>
             <a:fld id="{62ED8FAF-74E8-490D-A8BD-0DC8256C67E4}" type="datetimeFigureOut">
               <a:rPr lang="en-US" smtClean="0"/>
-              <a:t>2/4/2016</a:t>
+              <a:t>2/7/2016</a:t>
             </a:fld>
             <a:endParaRPr lang="en-US"/>
           </a:p>
@@ -5762,7 +5962,7 @@
           <a:p>
             <a:fld id="{62ED8FAF-74E8-490D-A8BD-0DC8256C67E4}" type="datetimeFigureOut">
               <a:rPr lang="en-US" smtClean="0"/>
-              <a:t>2/4/2016</a:t>
+              <a:t>2/7/2016</a:t>
             </a:fld>
             <a:endParaRPr lang="en-US"/>
           </a:p>
@@ -6306,7 +6506,15 @@
           <a:p>
             <a:r>
               <a:rPr lang="en-US" dirty="0" smtClean="0"/>
-              <a:t>Traffic Management system</a:t>
+              <a:t>Traffic </a:t>
+            </a:r>
+            <a:r>
+              <a:rPr lang="en-US" dirty="0" smtClean="0"/>
+              <a:t>Management </a:t>
+            </a:r>
+            <a:r>
+              <a:rPr lang="en-US" dirty="0" smtClean="0"/>
+              <a:t>system</a:t>
             </a:r>
             <a:endParaRPr lang="en-US" dirty="0"/>
           </a:p>
@@ -6336,11 +6544,7 @@
           <a:p>
             <a:r>
               <a:rPr lang="en-US" dirty="0" smtClean="0"/>
-              <a:t>BY </a:t>
-            </a:r>
-            <a:r>
-              <a:rPr lang="en-US" dirty="0" smtClean="0"/>
-              <a:t>:</a:t>
+              <a:t>BY :</a:t>
             </a:r>
           </a:p>
           <a:p>
@@ -6465,7 +6669,6 @@
               <a:rPr lang="en-US" dirty="0"/>
               <a:t>introduction</a:t>
             </a:r>
-            <a:endParaRPr lang="en-US" dirty="0"/>
           </a:p>
         </p:txBody>
       </p:sp>
@@ -6598,16 +6801,11 @@
               <a:rPr lang="en-US" dirty="0" smtClean="0"/>
               <a:t>Equal participation</a:t>
             </a:r>
-            <a:endParaRPr lang="en-US" dirty="0" smtClean="0"/>
           </a:p>
           <a:p>
             <a:r>
               <a:rPr lang="en-US" dirty="0" smtClean="0"/>
-              <a:t>Dispute </a:t>
-            </a:r>
-            <a:r>
-              <a:rPr lang="en-US" dirty="0" smtClean="0"/>
-              <a:t>resolution process</a:t>
+              <a:t>Dispute resolution process</a:t>
             </a:r>
           </a:p>
           <a:p>
@@ -6621,7 +6819,6 @@
               <a:rPr lang="en-US" dirty="0" smtClean="0"/>
               <a:t>Kanban (“Trello”, “Hip chat”)</a:t>
             </a:r>
-            <a:endParaRPr lang="en-US" dirty="0" smtClean="0"/>
           </a:p>
         </p:txBody>
       </p:sp>

--- a/reports/initialReport/Traffic Management system.pptx
+++ b/reports/initialReport/Traffic Management system.pptx
@@ -5,13 +5,14 @@
     <p:sldMasterId id="2147483660" r:id="rId1"/>
   </p:sldMasterIdLst>
   <p:notesMasterIdLst>
-    <p:notesMasterId r:id="rId6"/>
+    <p:notesMasterId r:id="rId7"/>
   </p:notesMasterIdLst>
   <p:sldIdLst>
     <p:sldId id="256" r:id="rId2"/>
     <p:sldId id="261" r:id="rId3"/>
     <p:sldId id="258" r:id="rId4"/>
     <p:sldId id="260" r:id="rId5"/>
+    <p:sldId id="262" r:id="rId6"/>
   </p:sldIdLst>
   <p:sldSz cx="12192000" cy="6858000"/>
   <p:notesSz cx="6858000" cy="9144000"/>
@@ -200,7 +201,7 @@
           <a:p>
             <a:fld id="{D59259FB-7A10-4439-874D-60573B545F68}" type="datetimeFigureOut">
               <a:rPr lang="en-US" smtClean="0"/>
-              <a:t>2/7/2016</a:t>
+              <a:t>2/8/2016</a:t>
             </a:fld>
             <a:endParaRPr lang="en-US"/>
           </a:p>
@@ -981,7 +982,7 @@
           <a:p>
             <a:fld id="{62ED8FAF-74E8-490D-A8BD-0DC8256C67E4}" type="datetimeFigureOut">
               <a:rPr lang="en-US" smtClean="0"/>
-              <a:t>2/7/2016</a:t>
+              <a:t>2/8/2016</a:t>
             </a:fld>
             <a:endParaRPr lang="en-US"/>
           </a:p>
@@ -1322,7 +1323,7 @@
           <a:p>
             <a:fld id="{62ED8FAF-74E8-490D-A8BD-0DC8256C67E4}" type="datetimeFigureOut">
               <a:rPr lang="en-US" smtClean="0"/>
-              <a:t>2/7/2016</a:t>
+              <a:t>2/8/2016</a:t>
             </a:fld>
             <a:endParaRPr lang="en-US"/>
           </a:p>
@@ -1600,7 +1601,7 @@
           <a:p>
             <a:fld id="{62ED8FAF-74E8-490D-A8BD-0DC8256C67E4}" type="datetimeFigureOut">
               <a:rPr lang="en-US" smtClean="0"/>
-              <a:t>2/7/2016</a:t>
+              <a:t>2/8/2016</a:t>
             </a:fld>
             <a:endParaRPr lang="en-US"/>
           </a:p>
@@ -2168,7 +2169,7 @@
           <a:p>
             <a:fld id="{62ED8FAF-74E8-490D-A8BD-0DC8256C67E4}" type="datetimeFigureOut">
               <a:rPr lang="en-US" smtClean="0"/>
-              <a:t>2/7/2016</a:t>
+              <a:t>2/8/2016</a:t>
             </a:fld>
             <a:endParaRPr lang="en-US"/>
           </a:p>
@@ -2446,7 +2447,7 @@
           <a:p>
             <a:fld id="{62ED8FAF-74E8-490D-A8BD-0DC8256C67E4}" type="datetimeFigureOut">
               <a:rPr lang="en-US" smtClean="0"/>
-              <a:t>2/7/2016</a:t>
+              <a:t>2/8/2016</a:t>
             </a:fld>
             <a:endParaRPr lang="en-US"/>
           </a:p>
@@ -3008,7 +3009,7 @@
           <a:p>
             <a:fld id="{62ED8FAF-74E8-490D-A8BD-0DC8256C67E4}" type="datetimeFigureOut">
               <a:rPr lang="en-US" smtClean="0"/>
-              <a:t>2/7/2016</a:t>
+              <a:t>2/8/2016</a:t>
             </a:fld>
             <a:endParaRPr lang="en-US"/>
           </a:p>
@@ -3335,7 +3336,7 @@
           <a:p>
             <a:fld id="{62ED8FAF-74E8-490D-A8BD-0DC8256C67E4}" type="datetimeFigureOut">
               <a:rPr lang="en-US" smtClean="0"/>
-              <a:t>2/7/2016</a:t>
+              <a:t>2/8/2016</a:t>
             </a:fld>
             <a:endParaRPr lang="en-US"/>
           </a:p>
@@ -3512,7 +3513,7 @@
           <a:p>
             <a:fld id="{62ED8FAF-74E8-490D-A8BD-0DC8256C67E4}" type="datetimeFigureOut">
               <a:rPr lang="en-US" smtClean="0"/>
-              <a:t>2/7/2016</a:t>
+              <a:t>2/8/2016</a:t>
             </a:fld>
             <a:endParaRPr lang="en-US"/>
           </a:p>
@@ -3750,7 +3751,7 @@
           <a:p>
             <a:fld id="{62ED8FAF-74E8-490D-A8BD-0DC8256C67E4}" type="datetimeFigureOut">
               <a:rPr lang="en-US" smtClean="0"/>
-              <a:t>2/7/2016</a:t>
+              <a:t>2/8/2016</a:t>
             </a:fld>
             <a:endParaRPr lang="en-US"/>
           </a:p>
@@ -3950,7 +3951,7 @@
           <a:p>
             <a:fld id="{62ED8FAF-74E8-490D-A8BD-0DC8256C67E4}" type="datetimeFigureOut">
               <a:rPr lang="en-US" smtClean="0"/>
-              <a:t>2/7/2016</a:t>
+              <a:t>2/8/2016</a:t>
             </a:fld>
             <a:endParaRPr lang="en-US"/>
           </a:p>
@@ -4226,7 +4227,7 @@
           <a:p>
             <a:fld id="{62ED8FAF-74E8-490D-A8BD-0DC8256C67E4}" type="datetimeFigureOut">
               <a:rPr lang="en-US" smtClean="0"/>
-              <a:t>2/7/2016</a:t>
+              <a:t>2/8/2016</a:t>
             </a:fld>
             <a:endParaRPr lang="en-US"/>
           </a:p>
@@ -4492,7 +4493,7 @@
           <a:p>
             <a:fld id="{62ED8FAF-74E8-490D-A8BD-0DC8256C67E4}" type="datetimeFigureOut">
               <a:rPr lang="en-US" smtClean="0"/>
-              <a:t>2/7/2016</a:t>
+              <a:t>2/8/2016</a:t>
             </a:fld>
             <a:endParaRPr lang="en-US"/>
           </a:p>
@@ -4866,7 +4867,7 @@
           <a:p>
             <a:fld id="{62ED8FAF-74E8-490D-A8BD-0DC8256C67E4}" type="datetimeFigureOut">
               <a:rPr lang="en-US" smtClean="0"/>
-              <a:t>2/7/2016</a:t>
+              <a:t>2/8/2016</a:t>
             </a:fld>
             <a:endParaRPr lang="en-US"/>
           </a:p>
@@ -5014,7 +5015,7 @@
           <a:p>
             <a:fld id="{62ED8FAF-74E8-490D-A8BD-0DC8256C67E4}" type="datetimeFigureOut">
               <a:rPr lang="en-US" smtClean="0"/>
-              <a:t>2/7/2016</a:t>
+              <a:t>2/8/2016</a:t>
             </a:fld>
             <a:endParaRPr lang="en-US"/>
           </a:p>
@@ -5139,7 +5140,7 @@
           <a:p>
             <a:fld id="{62ED8FAF-74E8-490D-A8BD-0DC8256C67E4}" type="datetimeFigureOut">
               <a:rPr lang="en-US" smtClean="0"/>
-              <a:t>2/7/2016</a:t>
+              <a:t>2/8/2016</a:t>
             </a:fld>
             <a:endParaRPr lang="en-US"/>
           </a:p>
@@ -5424,7 +5425,7 @@
           <a:p>
             <a:fld id="{62ED8FAF-74E8-490D-A8BD-0DC8256C67E4}" type="datetimeFigureOut">
               <a:rPr lang="en-US" smtClean="0"/>
-              <a:t>2/7/2016</a:t>
+              <a:t>2/8/2016</a:t>
             </a:fld>
             <a:endParaRPr lang="en-US"/>
           </a:p>
@@ -5748,7 +5749,7 @@
           <a:p>
             <a:fld id="{62ED8FAF-74E8-490D-A8BD-0DC8256C67E4}" type="datetimeFigureOut">
               <a:rPr lang="en-US" smtClean="0"/>
-              <a:t>2/7/2016</a:t>
+              <a:t>2/8/2016</a:t>
             </a:fld>
             <a:endParaRPr lang="en-US"/>
           </a:p>
@@ -5962,7 +5963,7 @@
           <a:p>
             <a:fld id="{62ED8FAF-74E8-490D-A8BD-0DC8256C67E4}" type="datetimeFigureOut">
               <a:rPr lang="en-US" smtClean="0"/>
-              <a:t>2/7/2016</a:t>
+              <a:t>2/8/2016</a:t>
             </a:fld>
             <a:endParaRPr lang="en-US"/>
           </a:p>
@@ -6506,15 +6507,7 @@
           <a:p>
             <a:r>
               <a:rPr lang="en-US" dirty="0" smtClean="0"/>
-              <a:t>Traffic </a:t>
-            </a:r>
-            <a:r>
-              <a:rPr lang="en-US" dirty="0" smtClean="0"/>
-              <a:t>Management </a:t>
-            </a:r>
-            <a:r>
-              <a:rPr lang="en-US" dirty="0" smtClean="0"/>
-              <a:t>system</a:t>
+              <a:t>Traffic Management system</a:t>
             </a:r>
             <a:endParaRPr lang="en-US" dirty="0"/>
           </a:p>
@@ -6916,6 +6909,66 @@
       </p:par>
     </p:tnLst>
   </p:timing>
+</p:sld>
+</file>
+
+<file path=ppt/slides/slide5.xml><?xml version="1.0" encoding="utf-8"?>
+<p:sld xmlns:a="http://schemas.openxmlformats.org/drawingml/2006/main" xmlns:r="http://schemas.openxmlformats.org/officeDocument/2006/relationships" xmlns:p="http://schemas.openxmlformats.org/presentationml/2006/main">
+  <p:cSld>
+    <p:spTree>
+      <p:nvGrpSpPr>
+        <p:cNvPr id="1" name=""/>
+        <p:cNvGrpSpPr/>
+        <p:nvPr/>
+      </p:nvGrpSpPr>
+      <p:grpSpPr>
+        <a:xfrm>
+          <a:off x="0" y="0"/>
+          <a:ext cx="0" cy="0"/>
+          <a:chOff x="0" y="0"/>
+          <a:chExt cx="0" cy="0"/>
+        </a:xfrm>
+      </p:grpSpPr>
+      <p:pic>
+        <p:nvPicPr>
+          <p:cNvPr id="2" name="Picture 1"/>
+          <p:cNvPicPr>
+            <a:picLocks noChangeAspect="1"/>
+          </p:cNvPicPr>
+          <p:nvPr/>
+        </p:nvPicPr>
+        <p:blipFill>
+          <a:blip r:embed="rId2">
+            <a:extLst>
+              <a:ext uri="{28A0092B-C50C-407E-A947-70E740481C1C}">
+                <a14:useLocalDpi xmlns:a14="http://schemas.microsoft.com/office/drawing/2010/main" val="0"/>
+              </a:ext>
+            </a:extLst>
+          </a:blip>
+          <a:stretch>
+            <a:fillRect/>
+          </a:stretch>
+        </p:blipFill>
+        <p:spPr>
+          <a:xfrm>
+            <a:off x="2920874" y="2379"/>
+            <a:ext cx="6350251" cy="6853242"/>
+          </a:xfrm>
+          <a:prstGeom prst="rect">
+            <a:avLst/>
+          </a:prstGeom>
+        </p:spPr>
+      </p:pic>
+    </p:spTree>
+    <p:extLst>
+      <p:ext uri="{BB962C8B-B14F-4D97-AF65-F5344CB8AC3E}">
+        <p14:creationId xmlns:p14="http://schemas.microsoft.com/office/powerpoint/2010/main" val="2552396330"/>
+      </p:ext>
+    </p:extLst>
+  </p:cSld>
+  <p:clrMapOvr>
+    <a:masterClrMapping/>
+  </p:clrMapOvr>
 </p:sld>
 </file>
 

--- a/reports/initialReport/Traffic Management system.pptx
+++ b/reports/initialReport/Traffic Management system.pptx
@@ -201,7 +201,7 @@
           <a:p>
             <a:fld id="{D59259FB-7A10-4439-874D-60573B545F68}" type="datetimeFigureOut">
               <a:rPr lang="en-US" smtClean="0"/>
-              <a:t>2/8/2016</a:t>
+              <a:t>2/9/2016</a:t>
             </a:fld>
             <a:endParaRPr lang="en-US"/>
           </a:p>
@@ -265,38 +265,37 @@
           <a:p>
             <a:pPr lvl="0"/>
             <a:r>
-              <a:rPr lang="en-US" smtClean="0"/>
+              <a:rPr lang="en-US"/>
               <a:t>Click to edit Master text styles</a:t>
             </a:r>
           </a:p>
           <a:p>
             <a:pPr lvl="1"/>
             <a:r>
-              <a:rPr lang="en-US" smtClean="0"/>
+              <a:rPr lang="en-US"/>
               <a:t>Second level</a:t>
             </a:r>
           </a:p>
           <a:p>
             <a:pPr lvl="2"/>
             <a:r>
-              <a:rPr lang="en-US" smtClean="0"/>
+              <a:rPr lang="en-US"/>
               <a:t>Third level</a:t>
             </a:r>
           </a:p>
           <a:p>
             <a:pPr lvl="3"/>
             <a:r>
-              <a:rPr lang="en-US" smtClean="0"/>
+              <a:rPr lang="en-US"/>
               <a:t>Fourth level</a:t>
             </a:r>
           </a:p>
           <a:p>
             <a:pPr lvl="4"/>
             <a:r>
-              <a:rPr lang="en-US" smtClean="0"/>
+              <a:rPr lang="en-US"/>
               <a:t>Fifth level</a:t>
             </a:r>
-            <a:endParaRPr lang="en-US"/>
           </a:p>
         </p:txBody>
       </p:sp>
@@ -514,16 +513,12 @@
           <a:lstStyle/>
           <a:p>
             <a:r>
-              <a:rPr lang="en-US" dirty="0" smtClean="0"/>
+              <a:rPr lang="en-US" dirty="0"/>
               <a:t>Good afternoon</a:t>
             </a:r>
             <a:r>
-              <a:rPr lang="en-US" baseline="0" dirty="0" smtClean="0"/>
-              <a:t> ladies and gentleman. Today I will be presenting to you briefly about our Traffic Management System. </a:t>
-            </a:r>
-            <a:r>
-              <a:rPr lang="en-US" baseline="0" smtClean="0"/>
-              <a:t>Well to summarize this project in one word the word would be “gigantic”. </a:t>
+              <a:rPr lang="en-US" baseline="0" dirty="0"/>
+              <a:t> ladies and gentleman. Today I will be presenting to you briefly about our Traffic Management System. Well to summarize this project in one word the word would be “gigantic”. </a:t>
             </a:r>
             <a:endParaRPr lang="en-US" dirty="0"/>
           </a:p>
@@ -610,15 +605,55 @@
           <a:lstStyle/>
           <a:p>
             <a:r>
+              <a:rPr lang="en-US" baseline="0" dirty="0"/>
+              <a:t>That being said we as a team have still thought to take micro modeling, now I am sure half of you would be asleep by now and remaining half don’t know what is micro modeling. In layman's terms it’s a model where we consider each car as an </a:t>
+            </a:r>
+            <a:r>
               <a:rPr lang="en-US" baseline="0" dirty="0" smtClean="0"/>
-              <a:t>That being said we as a team have still thought to take micro modeling, now I am sure half of you would be asleep by now and remaining half don’t know what is micro modeling. In layman's terms it’s a model where we consider each car as an object so, no generalization based on anything. To achieve our goal we are planning to use Java language. Now first of all as I said this project is gigantic so the basic question is how can we really achieve it without compromising the goals and paths that we have decided to take. Well the first steps which we took as a team was to decide on these two tools. The INTELLIJ and GITHUB, both of them are very versatile tools and very easy to understand, and work with. Now all this tools aren’t of any use without the team members being able to use them efficiently and </a:t>
-            </a:r>
-            <a:r>
-              <a:rPr lang="en-US" baseline="0" dirty="0" err="1" smtClean="0"/>
+              <a:t>object, vs macro model which represents car stream as an object. </a:t>
+            </a:r>
+            <a:r>
+              <a:rPr lang="en-US" baseline="0" dirty="0"/>
+              <a:t>To achieve our goal we are </a:t>
+            </a:r>
+            <a:r>
+              <a:rPr lang="en-US" baseline="0" dirty="0" smtClean="0"/>
+              <a:t>using Java language, since its common language between us. </a:t>
+            </a:r>
+            <a:r>
+              <a:rPr lang="en-US" baseline="0" dirty="0"/>
+              <a:t>Now first of all as I said this project is gigantic so the basic question is how can we really achieve it without compromising the goals and paths that we have decided to take. Well the first steps which we took as a team was to decide on these two tools. The </a:t>
+            </a:r>
+            <a:r>
+              <a:rPr lang="en-US" baseline="0" dirty="0" smtClean="0"/>
+              <a:t>INTELLIJIDEA </a:t>
+            </a:r>
+            <a:r>
+              <a:rPr lang="en-US" baseline="0" dirty="0"/>
+              <a:t>and GITHUB, both of them are very versatile </a:t>
+            </a:r>
+            <a:r>
+              <a:rPr lang="en-US" baseline="0" dirty="0" smtClean="0"/>
+              <a:t>tools, very </a:t>
+            </a:r>
+            <a:r>
+              <a:rPr lang="en-US" baseline="0" dirty="0"/>
+              <a:t>easy to understand, and work with. </a:t>
+            </a:r>
+            <a:r>
+              <a:rPr lang="en-US" baseline="0" dirty="0" smtClean="0"/>
+              <a:t>We aren’t using GIT to its full potential yet, like feature branches. We are working hard to make sure we incorporate all the features of GIT as soon as we are able to. Now </a:t>
+            </a:r>
+            <a:r>
+              <a:rPr lang="en-US" baseline="0" dirty="0"/>
+              <a:t>all this tools aren’t of any use without the team members being able to use them efficiently and </a:t>
+            </a:r>
+            <a:r>
+              <a:rPr lang="en-US" baseline="0" dirty="0" err="1"/>
               <a:t>possitively</a:t>
             </a:r>
             <a:r>
-              <a:rPr lang="en-US" baseline="0" dirty="0" smtClean="0"/>
+              <a:rPr lang="en-US" baseline="0" dirty="0"/>
               <a:t>, so with that said lets move on to the next slide and see how this is achieved.</a:t>
             </a:r>
             <a:endParaRPr lang="en-US" dirty="0"/>
@@ -706,12 +741,44 @@
           <a:lstStyle/>
           <a:p>
             <a:r>
-              <a:rPr lang="en-US" dirty="0" smtClean="0"/>
+              <a:rPr lang="en-US" dirty="0"/>
               <a:t>So</a:t>
             </a:r>
             <a:r>
+              <a:rPr lang="en-US" baseline="0" dirty="0"/>
+              <a:t> here we have the team organization. Now the very first point that we had to have was equal participation, and this is easier said than done, because we all come from different backgrounds and have different experiences, thus it’s practically not possible to make 100% sure that we get equal participation from everyone. So here is what we decided to do, lets say one team member isn’t as good as the others at coding, but they are good at other things such as documenting or management. So this member will be given more work from those two aspects. This doesn't mean  he won’t be participating in their weak aspect of the project, just means that what loss we have in one section, will be made up for the extra work in another section. Now we also knew there will be disputes, so we made a process to resolve them. Simple and easy, talk it out, if not debate it out, still no go for a group poll, and accept the decision without any ill feelings. Obviously the feelings part is just a suggestion, nothing else</a:t>
+            </a:r>
+            <a:r>
               <a:rPr lang="en-US" baseline="0" dirty="0" smtClean="0"/>
-              <a:t> here we have the team organization. Now the very first point that we had to have was equal participation, and this is easier said than done, because we all come from different backgrounds and have different experiences, thus it’s practically not possible to make 100% sure that we get equal participation from everyone. So here is what we decided to do, lets say one team member isn’t as good as the others at coding, but they are good at other things such as documenting or management. So this member will be given more work from those two aspects. This doesn't mean  he won’t be participating in their weak aspect of the project, just means that what loss we have in one section, will be made up for the extra work in another section. Now we also knew there will be disputes, so we made a process to resolve them. Simple and easy, talk it out, if not debate it out, still no go for a group poll, and accept the decision without any ill feelings. Obviously the feelings part is just a suggestion, nothing else. Till now the progress on the project has been good, which my team member will show to you in sometime, but let’s get on with the why. Well first reason is our coordination, we have been having weekly meetings without any coordination issues. The members are very well aware of the meetings well in advance and rarely we have had absentees. We also have made sure we have a second day, just incase we can’t meet on the planed day for some reason or we have extra work which needs attention. To make this really work out we use Trello and Hip Chat. Trello is a tool that helps us keep a track of the work that is done and needs to be done. Hip Chat is for chatting with friends, well you must be wondering why not use what’s app or any other messaging app. The main reason is with Hip Chat we get updates about everything, about what files have been saved, by whom when. All this inside the chatroom. This makes it very easy for one to manage things, and talk about things without having to explain a lot. With that said I think I have explained a lot now and it’s time for someone else to come and explain the remaining aspects of the project, so thank you very much for trying to listen to me, have a nice day!</a:t>
+              <a:t>. We </a:t>
+            </a:r>
+            <a:r>
+              <a:rPr lang="en-US" baseline="0" dirty="0"/>
+              <a:t>use Trello and Hip </a:t>
+            </a:r>
+            <a:r>
+              <a:rPr lang="en-US" baseline="0" dirty="0" smtClean="0"/>
+              <a:t>Chat based on the Kanban process. </a:t>
+            </a:r>
+            <a:r>
+              <a:rPr lang="en-US" baseline="0" dirty="0"/>
+              <a:t>Trello is a tool that helps us keep a track of the work that is done and needs to be done. Hip Chat is for chatting with friends, well you must be wondering why not use what’s app or any other messaging app. The main reason is with Hip Chat we get updates about everything, </a:t>
+            </a:r>
+            <a:r>
+              <a:rPr lang="en-US" baseline="0" dirty="0" smtClean="0"/>
+              <a:t>inside </a:t>
+            </a:r>
+            <a:r>
+              <a:rPr lang="en-US" baseline="0" dirty="0"/>
+              <a:t>the chatroom</a:t>
+            </a:r>
+            <a:r>
+              <a:rPr lang="en-US" baseline="0" dirty="0" smtClean="0"/>
+              <a:t>. </a:t>
+            </a:r>
+            <a:r>
+              <a:rPr lang="en-US" baseline="0" dirty="0"/>
+              <a:t>With that said I think I have explained a lot now and it’s time for someone else to come and explain the remaining aspects of the project, so thank you very much for trying to listen to me, have a nice day!</a:t>
             </a:r>
             <a:endParaRPr lang="en-US" dirty="0"/>
           </a:p>
@@ -744,6 +811,174 @@
     <p:extLst>
       <p:ext uri="{BB962C8B-B14F-4D97-AF65-F5344CB8AC3E}">
         <p14:creationId xmlns:p14="http://schemas.microsoft.com/office/powerpoint/2010/main" val="1340619408"/>
+      </p:ext>
+    </p:extLst>
+  </p:cSld>
+  <p:clrMapOvr>
+    <a:masterClrMapping/>
+  </p:clrMapOvr>
+</p:notes>
+</file>
+
+<file path=ppt/notesSlides/notesSlide4.xml><?xml version="1.0" encoding="utf-8"?>
+<p:notes xmlns:a="http://schemas.openxmlformats.org/drawingml/2006/main" xmlns:r="http://schemas.openxmlformats.org/officeDocument/2006/relationships" xmlns:p="http://schemas.openxmlformats.org/presentationml/2006/main">
+  <p:cSld>
+    <p:spTree>
+      <p:nvGrpSpPr>
+        <p:cNvPr id="1" name=""/>
+        <p:cNvGrpSpPr/>
+        <p:nvPr/>
+      </p:nvGrpSpPr>
+      <p:grpSpPr>
+        <a:xfrm>
+          <a:off x="0" y="0"/>
+          <a:ext cx="0" cy="0"/>
+          <a:chOff x="0" y="0"/>
+          <a:chExt cx="0" cy="0"/>
+        </a:xfrm>
+      </p:grpSpPr>
+      <p:sp>
+        <p:nvSpPr>
+          <p:cNvPr id="2" name="Symbol zastępczy obrazu slajdu 1"/>
+          <p:cNvSpPr>
+            <a:spLocks noGrp="1" noRot="1" noChangeAspect="1"/>
+          </p:cNvSpPr>
+          <p:nvPr>
+            <p:ph type="sldImg"/>
+          </p:nvPr>
+        </p:nvSpPr>
+        <p:spPr/>
+      </p:sp>
+      <p:sp>
+        <p:nvSpPr>
+          <p:cNvPr id="3" name="Symbol zastępczy notatek 2"/>
+          <p:cNvSpPr>
+            <a:spLocks noGrp="1"/>
+          </p:cNvSpPr>
+          <p:nvPr>
+            <p:ph type="body" idx="1"/>
+          </p:nvPr>
+        </p:nvSpPr>
+        <p:spPr/>
+        <p:txBody>
+          <a:bodyPr/>
+          <a:lstStyle/>
+          <a:p>
+            <a:endParaRPr lang="pl-PL"/>
+          </a:p>
+        </p:txBody>
+      </p:sp>
+      <p:sp>
+        <p:nvSpPr>
+          <p:cNvPr id="4" name="Symbol zastępczy numeru slajdu 3"/>
+          <p:cNvSpPr>
+            <a:spLocks noGrp="1"/>
+          </p:cNvSpPr>
+          <p:nvPr>
+            <p:ph type="sldNum" sz="quarter" idx="10"/>
+          </p:nvPr>
+        </p:nvSpPr>
+        <p:spPr/>
+        <p:txBody>
+          <a:bodyPr/>
+          <a:lstStyle/>
+          <a:p>
+            <a:fld id="{434AF725-5115-4534-827B-33BA087D1B46}" type="slidenum">
+              <a:rPr lang="en-US" smtClean="0"/>
+              <a:t>4</a:t>
+            </a:fld>
+            <a:endParaRPr lang="en-US"/>
+          </a:p>
+        </p:txBody>
+      </p:sp>
+    </p:spTree>
+    <p:extLst>
+      <p:ext uri="{BB962C8B-B14F-4D97-AF65-F5344CB8AC3E}">
+        <p14:creationId xmlns:p14="http://schemas.microsoft.com/office/powerpoint/2010/main" val="3568848119"/>
+      </p:ext>
+    </p:extLst>
+  </p:cSld>
+  <p:clrMapOvr>
+    <a:masterClrMapping/>
+  </p:clrMapOvr>
+</p:notes>
+</file>
+
+<file path=ppt/notesSlides/notesSlide5.xml><?xml version="1.0" encoding="utf-8"?>
+<p:notes xmlns:a="http://schemas.openxmlformats.org/drawingml/2006/main" xmlns:r="http://schemas.openxmlformats.org/officeDocument/2006/relationships" xmlns:p="http://schemas.openxmlformats.org/presentationml/2006/main">
+  <p:cSld>
+    <p:spTree>
+      <p:nvGrpSpPr>
+        <p:cNvPr id="1" name=""/>
+        <p:cNvGrpSpPr/>
+        <p:nvPr/>
+      </p:nvGrpSpPr>
+      <p:grpSpPr>
+        <a:xfrm>
+          <a:off x="0" y="0"/>
+          <a:ext cx="0" cy="0"/>
+          <a:chOff x="0" y="0"/>
+          <a:chExt cx="0" cy="0"/>
+        </a:xfrm>
+      </p:grpSpPr>
+      <p:sp>
+        <p:nvSpPr>
+          <p:cNvPr id="2" name="Symbol zastępczy obrazu slajdu 1"/>
+          <p:cNvSpPr>
+            <a:spLocks noGrp="1" noRot="1" noChangeAspect="1"/>
+          </p:cNvSpPr>
+          <p:nvPr>
+            <p:ph type="sldImg"/>
+          </p:nvPr>
+        </p:nvSpPr>
+        <p:spPr/>
+      </p:sp>
+      <p:sp>
+        <p:nvSpPr>
+          <p:cNvPr id="3" name="Symbol zastępczy notatek 2"/>
+          <p:cNvSpPr>
+            <a:spLocks noGrp="1"/>
+          </p:cNvSpPr>
+          <p:nvPr>
+            <p:ph type="body" idx="1"/>
+          </p:nvPr>
+        </p:nvSpPr>
+        <p:spPr/>
+        <p:txBody>
+          <a:bodyPr/>
+          <a:lstStyle/>
+          <a:p>
+            <a:endParaRPr lang="pl-PL"/>
+          </a:p>
+        </p:txBody>
+      </p:sp>
+      <p:sp>
+        <p:nvSpPr>
+          <p:cNvPr id="4" name="Symbol zastępczy numeru slajdu 3"/>
+          <p:cNvSpPr>
+            <a:spLocks noGrp="1"/>
+          </p:cNvSpPr>
+          <p:nvPr>
+            <p:ph type="sldNum" sz="quarter" idx="10"/>
+          </p:nvPr>
+        </p:nvSpPr>
+        <p:spPr/>
+        <p:txBody>
+          <a:bodyPr/>
+          <a:lstStyle/>
+          <a:p>
+            <a:fld id="{434AF725-5115-4534-827B-33BA087D1B46}" type="slidenum">
+              <a:rPr lang="en-US" smtClean="0"/>
+              <a:t>5</a:t>
+            </a:fld>
+            <a:endParaRPr lang="en-US"/>
+          </a:p>
+        </p:txBody>
+      </p:sp>
+    </p:spTree>
+    <p:extLst>
+      <p:ext uri="{BB962C8B-B14F-4D97-AF65-F5344CB8AC3E}">
+        <p14:creationId xmlns:p14="http://schemas.microsoft.com/office/powerpoint/2010/main" val="128872873"/>
       </p:ext>
     </p:extLst>
   </p:cSld>
@@ -834,10 +1069,9 @@
           </a:lstStyle>
           <a:p>
             <a:r>
-              <a:rPr lang="en-US" dirty="0" smtClean="0"/>
+              <a:rPr lang="en-US" dirty="0"/>
               <a:t>Click to edit Master title style</a:t>
             </a:r>
-            <a:endParaRPr lang="en-US" dirty="0"/>
           </a:p>
         </p:txBody>
       </p:sp>
@@ -953,10 +1187,9 @@
           </a:lstStyle>
           <a:p>
             <a:r>
-              <a:rPr lang="en-US" dirty="0" smtClean="0"/>
+              <a:rPr lang="en-US" dirty="0"/>
               <a:t>Click to edit Master subtitle style</a:t>
             </a:r>
-            <a:endParaRPr lang="en-US" dirty="0"/>
           </a:p>
         </p:txBody>
       </p:sp>
@@ -982,7 +1215,7 @@
           <a:p>
             <a:fld id="{62ED8FAF-74E8-490D-A8BD-0DC8256C67E4}" type="datetimeFigureOut">
               <a:rPr lang="en-US" smtClean="0"/>
-              <a:t>2/8/2016</a:t>
+              <a:t>2/9/2016</a:t>
             </a:fld>
             <a:endParaRPr lang="en-US"/>
           </a:p>
@@ -1050,13 +1283,6 @@
   <p:clrMapOvr>
     <a:overrideClrMapping bg1="dk1" tx1="lt1" bg2="dk2" tx2="lt2" accent1="accent1" accent2="accent2" accent3="accent3" accent4="accent4" accent5="accent5" accent6="accent6" hlink="hlink" folHlink="folHlink"/>
   </p:clrMapOvr>
-  <p:timing>
-    <p:tnLst>
-      <p:par>
-        <p:cTn id="1" dur="indefinite" restart="never" nodeType="tmRoot"/>
-      </p:par>
-    </p:tnLst>
-  </p:timing>
 </p:sldLayout>
 </file>
 
@@ -1134,7 +1360,7 @@
           </a:lstStyle>
           <a:p>
             <a:r>
-              <a:rPr lang="en-US" smtClean="0"/>
+              <a:rPr lang="en-US"/>
               <a:t>Click to edit Master title style</a:t>
             </a:r>
             <a:endParaRPr lang="en-US" dirty="0"/>
@@ -1232,7 +1458,7 @@
           </a:lstStyle>
           <a:p>
             <a:r>
-              <a:rPr lang="en-US" smtClean="0"/>
+              <a:rPr lang="en-US"/>
               <a:t>Click icon to add picture</a:t>
             </a:r>
             <a:endParaRPr lang="en-US" dirty="0"/>
@@ -1300,7 +1526,7 @@
           <a:p>
             <a:pPr lvl="0"/>
             <a:r>
-              <a:rPr lang="en-US" smtClean="0"/>
+              <a:rPr lang="en-US"/>
               <a:t>Click to edit Master text styles</a:t>
             </a:r>
           </a:p>
@@ -1323,7 +1549,7 @@
           <a:p>
             <a:fld id="{62ED8FAF-74E8-490D-A8BD-0DC8256C67E4}" type="datetimeFigureOut">
               <a:rPr lang="en-US" smtClean="0"/>
-              <a:t>2/8/2016</a:t>
+              <a:t>2/9/2016</a:t>
             </a:fld>
             <a:endParaRPr lang="en-US"/>
           </a:p>
@@ -1458,7 +1684,7 @@
           </a:lstStyle>
           <a:p>
             <a:r>
-              <a:rPr lang="en-US" smtClean="0"/>
+              <a:rPr lang="en-US"/>
               <a:t>Click to edit Master title style</a:t>
             </a:r>
             <a:endParaRPr lang="en-US" dirty="0"/>
@@ -1578,7 +1804,7 @@
           <a:p>
             <a:pPr lvl="0"/>
             <a:r>
-              <a:rPr lang="en-US" smtClean="0"/>
+              <a:rPr lang="en-US"/>
               <a:t>Click to edit Master text styles</a:t>
             </a:r>
           </a:p>
@@ -1601,7 +1827,7 @@
           <a:p>
             <a:fld id="{62ED8FAF-74E8-490D-A8BD-0DC8256C67E4}" type="datetimeFigureOut">
               <a:rPr lang="en-US" smtClean="0"/>
-              <a:t>2/8/2016</a:t>
+              <a:t>2/9/2016</a:t>
             </a:fld>
             <a:endParaRPr lang="en-US"/>
           </a:p>
@@ -1972,7 +2198,7 @@
           </a:lstStyle>
           <a:p>
             <a:r>
-              <a:rPr lang="en-US" smtClean="0"/>
+              <a:rPr lang="en-US"/>
               <a:t>Click to edit Master title style</a:t>
             </a:r>
             <a:endParaRPr lang="en-US" dirty="0"/>
@@ -2027,7 +2253,7 @@
           <a:p>
             <a:pPr lvl="0"/>
             <a:r>
-              <a:rPr lang="en-US" smtClean="0"/>
+              <a:rPr lang="en-US"/>
               <a:t>Click to edit Master text styles</a:t>
             </a:r>
           </a:p>
@@ -2146,7 +2372,7 @@
           <a:p>
             <a:pPr lvl="0"/>
             <a:r>
-              <a:rPr lang="en-US" smtClean="0"/>
+              <a:rPr lang="en-US"/>
               <a:t>Click to edit Master text styles</a:t>
             </a:r>
           </a:p>
@@ -2169,7 +2395,7 @@
           <a:p>
             <a:fld id="{62ED8FAF-74E8-490D-A8BD-0DC8256C67E4}" type="datetimeFigureOut">
               <a:rPr lang="en-US" smtClean="0"/>
-              <a:t>2/8/2016</a:t>
+              <a:t>2/9/2016</a:t>
             </a:fld>
             <a:endParaRPr lang="en-US"/>
           </a:p>
@@ -2304,7 +2530,7 @@
           </a:lstStyle>
           <a:p>
             <a:r>
-              <a:rPr lang="en-US" smtClean="0"/>
+              <a:rPr lang="en-US"/>
               <a:t>Click to edit Master title style</a:t>
             </a:r>
             <a:endParaRPr lang="en-US" dirty="0"/>
@@ -2424,7 +2650,7 @@
           <a:p>
             <a:pPr lvl="0"/>
             <a:r>
-              <a:rPr lang="en-US" smtClean="0"/>
+              <a:rPr lang="en-US"/>
               <a:t>Click to edit Master text styles</a:t>
             </a:r>
           </a:p>
@@ -2447,7 +2673,7 @@
           <a:p>
             <a:fld id="{62ED8FAF-74E8-490D-A8BD-0DC8256C67E4}" type="datetimeFigureOut">
               <a:rPr lang="en-US" smtClean="0"/>
-              <a:t>2/8/2016</a:t>
+              <a:t>2/9/2016</a:t>
             </a:fld>
             <a:endParaRPr lang="en-US"/>
           </a:p>
@@ -2818,7 +3044,7 @@
           </a:lstStyle>
           <a:p>
             <a:r>
-              <a:rPr lang="en-US" smtClean="0"/>
+              <a:rPr lang="en-US"/>
               <a:t>Click to edit Master title style</a:t>
             </a:r>
             <a:endParaRPr lang="en-US" dirty="0"/>
@@ -2867,7 +3093,7 @@
               <a:buNone/>
             </a:pPr>
             <a:r>
-              <a:rPr lang="en-US" smtClean="0"/>
+              <a:rPr lang="en-US"/>
               <a:t>Click to edit Master text styles</a:t>
             </a:r>
           </a:p>
@@ -2986,7 +3212,7 @@
           <a:p>
             <a:pPr lvl="0"/>
             <a:r>
-              <a:rPr lang="en-US" smtClean="0"/>
+              <a:rPr lang="en-US"/>
               <a:t>Click to edit Master text styles</a:t>
             </a:r>
           </a:p>
@@ -3009,7 +3235,7 @@
           <a:p>
             <a:fld id="{62ED8FAF-74E8-490D-A8BD-0DC8256C67E4}" type="datetimeFigureOut">
               <a:rPr lang="en-US" smtClean="0"/>
-              <a:t>2/8/2016</a:t>
+              <a:t>2/9/2016</a:t>
             </a:fld>
             <a:endParaRPr lang="en-US"/>
           </a:p>
@@ -3145,7 +3371,7 @@
           <a:p>
             <a:pPr marL="0" lvl="0"/>
             <a:r>
-              <a:rPr lang="en-US" smtClean="0"/>
+              <a:rPr lang="en-US"/>
               <a:t>Click to edit Master title style</a:t>
             </a:r>
             <a:endParaRPr lang="en-US" dirty="0"/>
@@ -3194,7 +3420,7 @@
               <a:buNone/>
             </a:pPr>
             <a:r>
-              <a:rPr lang="en-US" smtClean="0"/>
+              <a:rPr lang="en-US"/>
               <a:t>Click to edit Master text styles</a:t>
             </a:r>
           </a:p>
@@ -3313,7 +3539,7 @@
           <a:p>
             <a:pPr lvl="0"/>
             <a:r>
-              <a:rPr lang="en-US" smtClean="0"/>
+              <a:rPr lang="en-US"/>
               <a:t>Click to edit Master text styles</a:t>
             </a:r>
           </a:p>
@@ -3336,7 +3562,7 @@
           <a:p>
             <a:fld id="{62ED8FAF-74E8-490D-A8BD-0DC8256C67E4}" type="datetimeFigureOut">
               <a:rPr lang="en-US" smtClean="0"/>
-              <a:t>2/8/2016</a:t>
+              <a:t>2/9/2016</a:t>
             </a:fld>
             <a:endParaRPr lang="en-US"/>
           </a:p>
@@ -3461,35 +3687,35 @@
           <a:p>
             <a:pPr lvl="0"/>
             <a:r>
-              <a:rPr lang="en-US" smtClean="0"/>
+              <a:rPr lang="en-US"/>
               <a:t>Click to edit Master text styles</a:t>
             </a:r>
           </a:p>
           <a:p>
             <a:pPr lvl="1"/>
             <a:r>
-              <a:rPr lang="en-US" smtClean="0"/>
+              <a:rPr lang="en-US"/>
               <a:t>Second level</a:t>
             </a:r>
           </a:p>
           <a:p>
             <a:pPr lvl="2"/>
             <a:r>
-              <a:rPr lang="en-US" smtClean="0"/>
+              <a:rPr lang="en-US"/>
               <a:t>Third level</a:t>
             </a:r>
           </a:p>
           <a:p>
             <a:pPr lvl="3"/>
             <a:r>
-              <a:rPr lang="en-US" smtClean="0"/>
+              <a:rPr lang="en-US"/>
               <a:t>Fourth level</a:t>
             </a:r>
           </a:p>
           <a:p>
             <a:pPr lvl="4"/>
             <a:r>
-              <a:rPr lang="en-US" smtClean="0"/>
+              <a:rPr lang="en-US"/>
               <a:t>Fifth level</a:t>
             </a:r>
             <a:endParaRPr lang="en-US" dirty="0"/>
@@ -3513,7 +3739,7 @@
           <a:p>
             <a:fld id="{62ED8FAF-74E8-490D-A8BD-0DC8256C67E4}" type="datetimeFigureOut">
               <a:rPr lang="en-US" smtClean="0"/>
-              <a:t>2/8/2016</a:t>
+              <a:t>2/9/2016</a:t>
             </a:fld>
             <a:endParaRPr lang="en-US"/>
           </a:p>
@@ -3582,7 +3808,7 @@
           <a:lstStyle/>
           <a:p>
             <a:r>
-              <a:rPr lang="en-US" smtClean="0"/>
+              <a:rPr lang="en-US"/>
               <a:t>Click to edit Master title style</a:t>
             </a:r>
             <a:endParaRPr lang="en-US" dirty="0"/>
@@ -3670,7 +3896,7 @@
           <a:lstStyle/>
           <a:p>
             <a:r>
-              <a:rPr lang="en-US" smtClean="0"/>
+              <a:rPr lang="en-US"/>
               <a:t>Click to edit Master title style</a:t>
             </a:r>
             <a:endParaRPr lang="en-US" dirty="0"/>
@@ -3699,35 +3925,35 @@
           <a:p>
             <a:pPr lvl="0"/>
             <a:r>
-              <a:rPr lang="en-US" smtClean="0"/>
+              <a:rPr lang="en-US"/>
               <a:t>Click to edit Master text styles</a:t>
             </a:r>
           </a:p>
           <a:p>
             <a:pPr lvl="1"/>
             <a:r>
-              <a:rPr lang="en-US" smtClean="0"/>
+              <a:rPr lang="en-US"/>
               <a:t>Second level</a:t>
             </a:r>
           </a:p>
           <a:p>
             <a:pPr lvl="2"/>
             <a:r>
-              <a:rPr lang="en-US" smtClean="0"/>
+              <a:rPr lang="en-US"/>
               <a:t>Third level</a:t>
             </a:r>
           </a:p>
           <a:p>
             <a:pPr lvl="3"/>
             <a:r>
-              <a:rPr lang="en-US" smtClean="0"/>
+              <a:rPr lang="en-US"/>
               <a:t>Fourth level</a:t>
             </a:r>
           </a:p>
           <a:p>
             <a:pPr lvl="4"/>
             <a:r>
-              <a:rPr lang="en-US" smtClean="0"/>
+              <a:rPr lang="en-US"/>
               <a:t>Fifth level</a:t>
             </a:r>
             <a:endParaRPr lang="en-US" dirty="0"/>
@@ -3751,7 +3977,7 @@
           <a:p>
             <a:fld id="{62ED8FAF-74E8-490D-A8BD-0DC8256C67E4}" type="datetimeFigureOut">
               <a:rPr lang="en-US" smtClean="0"/>
-              <a:t>2/8/2016</a:t>
+              <a:t>2/9/2016</a:t>
             </a:fld>
             <a:endParaRPr lang="en-US"/>
           </a:p>
@@ -3875,7 +4101,7 @@
           <a:lstStyle/>
           <a:p>
             <a:r>
-              <a:rPr lang="en-US" smtClean="0"/>
+              <a:rPr lang="en-US"/>
               <a:t>Click to edit Master title style</a:t>
             </a:r>
             <a:endParaRPr lang="en-US" dirty="0"/>
@@ -3899,35 +4125,35 @@
           <a:p>
             <a:pPr lvl="0"/>
             <a:r>
-              <a:rPr lang="en-US" smtClean="0"/>
+              <a:rPr lang="en-US"/>
               <a:t>Click to edit Master text styles</a:t>
             </a:r>
           </a:p>
           <a:p>
             <a:pPr lvl="1"/>
             <a:r>
-              <a:rPr lang="en-US" smtClean="0"/>
+              <a:rPr lang="en-US"/>
               <a:t>Second level</a:t>
             </a:r>
           </a:p>
           <a:p>
             <a:pPr lvl="2"/>
             <a:r>
-              <a:rPr lang="en-US" smtClean="0"/>
+              <a:rPr lang="en-US"/>
               <a:t>Third level</a:t>
             </a:r>
           </a:p>
           <a:p>
             <a:pPr lvl="3"/>
             <a:r>
-              <a:rPr lang="en-US" smtClean="0"/>
+              <a:rPr lang="en-US"/>
               <a:t>Fourth level</a:t>
             </a:r>
           </a:p>
           <a:p>
             <a:pPr lvl="4"/>
             <a:r>
-              <a:rPr lang="en-US" smtClean="0"/>
+              <a:rPr lang="en-US"/>
               <a:t>Fifth level</a:t>
             </a:r>
             <a:endParaRPr lang="en-US" dirty="0"/>
@@ -3951,7 +4177,7 @@
           <a:p>
             <a:fld id="{62ED8FAF-74E8-490D-A8BD-0DC8256C67E4}" type="datetimeFigureOut">
               <a:rPr lang="en-US" smtClean="0"/>
-              <a:t>2/8/2016</a:t>
+              <a:t>2/9/2016</a:t>
             </a:fld>
             <a:endParaRPr lang="en-US"/>
           </a:p>
@@ -4084,7 +4310,7 @@
           </a:lstStyle>
           <a:p>
             <a:r>
-              <a:rPr lang="en-US" smtClean="0"/>
+              <a:rPr lang="en-US"/>
               <a:t>Click to edit Master title style</a:t>
             </a:r>
             <a:endParaRPr lang="en-US" dirty="0"/>
@@ -4204,7 +4430,7 @@
           <a:p>
             <a:pPr lvl="0"/>
             <a:r>
-              <a:rPr lang="en-US" smtClean="0"/>
+              <a:rPr lang="en-US"/>
               <a:t>Click to edit Master text styles</a:t>
             </a:r>
           </a:p>
@@ -4227,7 +4453,7 @@
           <a:p>
             <a:fld id="{62ED8FAF-74E8-490D-A8BD-0DC8256C67E4}" type="datetimeFigureOut">
               <a:rPr lang="en-US" smtClean="0"/>
-              <a:t>2/8/2016</a:t>
+              <a:t>2/9/2016</a:t>
             </a:fld>
             <a:endParaRPr lang="en-US"/>
           </a:p>
@@ -4351,7 +4577,7 @@
           <a:lstStyle/>
           <a:p>
             <a:r>
-              <a:rPr lang="en-US" smtClean="0"/>
+              <a:rPr lang="en-US"/>
               <a:t>Click to edit Master title style</a:t>
             </a:r>
             <a:endParaRPr lang="en-US" dirty="0"/>
@@ -4382,35 +4608,35 @@
           <a:p>
             <a:pPr lvl="0"/>
             <a:r>
-              <a:rPr lang="en-US" smtClean="0"/>
+              <a:rPr lang="en-US"/>
               <a:t>Click to edit Master text styles</a:t>
             </a:r>
           </a:p>
           <a:p>
             <a:pPr lvl="1"/>
             <a:r>
-              <a:rPr lang="en-US" smtClean="0"/>
+              <a:rPr lang="en-US"/>
               <a:t>Second level</a:t>
             </a:r>
           </a:p>
           <a:p>
             <a:pPr lvl="2"/>
             <a:r>
-              <a:rPr lang="en-US" smtClean="0"/>
+              <a:rPr lang="en-US"/>
               <a:t>Third level</a:t>
             </a:r>
           </a:p>
           <a:p>
             <a:pPr lvl="3"/>
             <a:r>
-              <a:rPr lang="en-US" smtClean="0"/>
+              <a:rPr lang="en-US"/>
               <a:t>Fourth level</a:t>
             </a:r>
           </a:p>
           <a:p>
             <a:pPr lvl="4"/>
             <a:r>
-              <a:rPr lang="en-US" smtClean="0"/>
+              <a:rPr lang="en-US"/>
               <a:t>Fifth level</a:t>
             </a:r>
             <a:endParaRPr lang="en-US" dirty="0"/>
@@ -4441,35 +4667,35 @@
           <a:p>
             <a:pPr lvl="0"/>
             <a:r>
-              <a:rPr lang="en-US" smtClean="0"/>
+              <a:rPr lang="en-US"/>
               <a:t>Click to edit Master text styles</a:t>
             </a:r>
           </a:p>
           <a:p>
             <a:pPr lvl="1"/>
             <a:r>
-              <a:rPr lang="en-US" smtClean="0"/>
+              <a:rPr lang="en-US"/>
               <a:t>Second level</a:t>
             </a:r>
           </a:p>
           <a:p>
             <a:pPr lvl="2"/>
             <a:r>
-              <a:rPr lang="en-US" smtClean="0"/>
+              <a:rPr lang="en-US"/>
               <a:t>Third level</a:t>
             </a:r>
           </a:p>
           <a:p>
             <a:pPr lvl="3"/>
             <a:r>
-              <a:rPr lang="en-US" smtClean="0"/>
+              <a:rPr lang="en-US"/>
               <a:t>Fourth level</a:t>
             </a:r>
           </a:p>
           <a:p>
             <a:pPr lvl="4"/>
             <a:r>
-              <a:rPr lang="en-US" smtClean="0"/>
+              <a:rPr lang="en-US"/>
               <a:t>Fifth level</a:t>
             </a:r>
             <a:endParaRPr lang="en-US" dirty="0"/>
@@ -4493,7 +4719,7 @@
           <a:p>
             <a:fld id="{62ED8FAF-74E8-490D-A8BD-0DC8256C67E4}" type="datetimeFigureOut">
               <a:rPr lang="en-US" smtClean="0"/>
-              <a:t>2/8/2016</a:t>
+              <a:t>2/9/2016</a:t>
             </a:fld>
             <a:endParaRPr lang="en-US"/>
           </a:p>
@@ -4591,7 +4817,7 @@
           </a:lstStyle>
           <a:p>
             <a:r>
-              <a:rPr lang="en-US" smtClean="0"/>
+              <a:rPr lang="en-US"/>
               <a:t>Click to edit Master title style</a:t>
             </a:r>
             <a:endParaRPr lang="en-US" dirty="0"/>
@@ -4689,35 +4915,35 @@
           <a:p>
             <a:pPr lvl="0"/>
             <a:r>
-              <a:rPr lang="en-US" smtClean="0"/>
+              <a:rPr lang="en-US"/>
               <a:t>Click to edit Master text styles</a:t>
             </a:r>
           </a:p>
           <a:p>
             <a:pPr lvl="1"/>
             <a:r>
-              <a:rPr lang="en-US" smtClean="0"/>
+              <a:rPr lang="en-US"/>
               <a:t>Second level</a:t>
             </a:r>
           </a:p>
           <a:p>
             <a:pPr lvl="2"/>
             <a:r>
-              <a:rPr lang="en-US" smtClean="0"/>
+              <a:rPr lang="en-US"/>
               <a:t>Third level</a:t>
             </a:r>
           </a:p>
           <a:p>
             <a:pPr lvl="3"/>
             <a:r>
-              <a:rPr lang="en-US" smtClean="0"/>
+              <a:rPr lang="en-US"/>
               <a:t>Fourth level</a:t>
             </a:r>
           </a:p>
           <a:p>
             <a:pPr lvl="4"/>
             <a:r>
-              <a:rPr lang="en-US" smtClean="0"/>
+              <a:rPr lang="en-US"/>
               <a:t>Fifth level</a:t>
             </a:r>
             <a:endParaRPr lang="en-US" dirty="0"/>
@@ -4815,35 +5041,35 @@
           <a:p>
             <a:pPr lvl="0"/>
             <a:r>
-              <a:rPr lang="en-US" smtClean="0"/>
+              <a:rPr lang="en-US"/>
               <a:t>Click to edit Master text styles</a:t>
             </a:r>
           </a:p>
           <a:p>
             <a:pPr lvl="1"/>
             <a:r>
-              <a:rPr lang="en-US" smtClean="0"/>
+              <a:rPr lang="en-US"/>
               <a:t>Second level</a:t>
             </a:r>
           </a:p>
           <a:p>
             <a:pPr lvl="2"/>
             <a:r>
-              <a:rPr lang="en-US" smtClean="0"/>
+              <a:rPr lang="en-US"/>
               <a:t>Third level</a:t>
             </a:r>
           </a:p>
           <a:p>
             <a:pPr lvl="3"/>
             <a:r>
-              <a:rPr lang="en-US" smtClean="0"/>
+              <a:rPr lang="en-US"/>
               <a:t>Fourth level</a:t>
             </a:r>
           </a:p>
           <a:p>
             <a:pPr lvl="4"/>
             <a:r>
-              <a:rPr lang="en-US" smtClean="0"/>
+              <a:rPr lang="en-US"/>
               <a:t>Fifth level</a:t>
             </a:r>
             <a:endParaRPr lang="en-US" dirty="0"/>
@@ -4867,7 +5093,7 @@
           <a:p>
             <a:fld id="{62ED8FAF-74E8-490D-A8BD-0DC8256C67E4}" type="datetimeFigureOut">
               <a:rPr lang="en-US" smtClean="0"/>
-              <a:t>2/8/2016</a:t>
+              <a:t>2/9/2016</a:t>
             </a:fld>
             <a:endParaRPr lang="en-US"/>
           </a:p>
@@ -4991,7 +5217,7 @@
           <a:lstStyle/>
           <a:p>
             <a:r>
-              <a:rPr lang="en-US" smtClean="0"/>
+              <a:rPr lang="en-US"/>
               <a:t>Click to edit Master title style</a:t>
             </a:r>
             <a:endParaRPr lang="en-US" dirty="0"/>
@@ -5015,7 +5241,7 @@
           <a:p>
             <a:fld id="{62ED8FAF-74E8-490D-A8BD-0DC8256C67E4}" type="datetimeFigureOut">
               <a:rPr lang="en-US" smtClean="0"/>
-              <a:t>2/8/2016</a:t>
+              <a:t>2/9/2016</a:t>
             </a:fld>
             <a:endParaRPr lang="en-US"/>
           </a:p>
@@ -5140,7 +5366,7 @@
           <a:p>
             <a:fld id="{62ED8FAF-74E8-490D-A8BD-0DC8256C67E4}" type="datetimeFigureOut">
               <a:rPr lang="en-US" smtClean="0"/>
-              <a:t>2/8/2016</a:t>
+              <a:t>2/9/2016</a:t>
             </a:fld>
             <a:endParaRPr lang="en-US"/>
           </a:p>
@@ -5275,7 +5501,7 @@
           </a:lstStyle>
           <a:p>
             <a:r>
-              <a:rPr lang="en-US" smtClean="0"/>
+              <a:rPr lang="en-US"/>
               <a:t>Click to edit Master title style</a:t>
             </a:r>
             <a:endParaRPr lang="en-US" dirty="0"/>
@@ -5306,35 +5532,35 @@
           <a:p>
             <a:pPr lvl="0"/>
             <a:r>
-              <a:rPr lang="en-US" smtClean="0"/>
+              <a:rPr lang="en-US"/>
               <a:t>Click to edit Master text styles</a:t>
             </a:r>
           </a:p>
           <a:p>
             <a:pPr lvl="1"/>
             <a:r>
-              <a:rPr lang="en-US" smtClean="0"/>
+              <a:rPr lang="en-US"/>
               <a:t>Second level</a:t>
             </a:r>
           </a:p>
           <a:p>
             <a:pPr lvl="2"/>
             <a:r>
-              <a:rPr lang="en-US" smtClean="0"/>
+              <a:rPr lang="en-US"/>
               <a:t>Third level</a:t>
             </a:r>
           </a:p>
           <a:p>
             <a:pPr lvl="3"/>
             <a:r>
-              <a:rPr lang="en-US" smtClean="0"/>
+              <a:rPr lang="en-US"/>
               <a:t>Fourth level</a:t>
             </a:r>
           </a:p>
           <a:p>
             <a:pPr lvl="4"/>
             <a:r>
-              <a:rPr lang="en-US" smtClean="0"/>
+              <a:rPr lang="en-US"/>
               <a:t>Fifth level</a:t>
             </a:r>
             <a:endParaRPr lang="en-US" dirty="0"/>
@@ -5402,7 +5628,7 @@
           <a:p>
             <a:pPr lvl="0"/>
             <a:r>
-              <a:rPr lang="en-US" smtClean="0"/>
+              <a:rPr lang="en-US"/>
               <a:t>Click to edit Master text styles</a:t>
             </a:r>
           </a:p>
@@ -5425,7 +5651,7 @@
           <a:p>
             <a:fld id="{62ED8FAF-74E8-490D-A8BD-0DC8256C67E4}" type="datetimeFigureOut">
               <a:rPr lang="en-US" smtClean="0"/>
-              <a:t>2/8/2016</a:t>
+              <a:t>2/9/2016</a:t>
             </a:fld>
             <a:endParaRPr lang="en-US"/>
           </a:p>
@@ -5560,7 +5786,7 @@
           </a:lstStyle>
           <a:p>
             <a:r>
-              <a:rPr lang="en-US" smtClean="0"/>
+              <a:rPr lang="en-US"/>
               <a:t>Click to edit Master title style</a:t>
             </a:r>
             <a:endParaRPr lang="en-US" dirty="0"/>
@@ -5658,7 +5884,7 @@
           </a:lstStyle>
           <a:p>
             <a:r>
-              <a:rPr lang="en-US" smtClean="0"/>
+              <a:rPr lang="en-US"/>
               <a:t>Click icon to add picture</a:t>
             </a:r>
             <a:endParaRPr lang="en-US" dirty="0"/>
@@ -5726,7 +5952,7 @@
           <a:p>
             <a:pPr lvl="0"/>
             <a:r>
-              <a:rPr lang="en-US" smtClean="0"/>
+              <a:rPr lang="en-US"/>
               <a:t>Click to edit Master text styles</a:t>
             </a:r>
           </a:p>
@@ -5749,7 +5975,7 @@
           <a:p>
             <a:fld id="{62ED8FAF-74E8-490D-A8BD-0DC8256C67E4}" type="datetimeFigureOut">
               <a:rPr lang="en-US" smtClean="0"/>
-              <a:t>2/8/2016</a:t>
+              <a:t>2/9/2016</a:t>
             </a:fld>
             <a:endParaRPr lang="en-US"/>
           </a:p>
@@ -5859,10 +6085,9 @@
           <a:lstStyle/>
           <a:p>
             <a:r>
-              <a:rPr lang="en-US" dirty="0" smtClean="0"/>
+              <a:rPr lang="en-US" dirty="0"/>
               <a:t>Click to edit Master title style</a:t>
             </a:r>
-            <a:endParaRPr lang="en-US" dirty="0"/>
           </a:p>
         </p:txBody>
       </p:sp>
@@ -5893,38 +6118,37 @@
           <a:p>
             <a:pPr lvl="0"/>
             <a:r>
-              <a:rPr lang="en-US" dirty="0" smtClean="0"/>
+              <a:rPr lang="en-US" dirty="0"/>
               <a:t>Click to edit Master text styles</a:t>
             </a:r>
           </a:p>
           <a:p>
             <a:pPr lvl="1"/>
             <a:r>
-              <a:rPr lang="en-US" dirty="0" smtClean="0"/>
+              <a:rPr lang="en-US" dirty="0"/>
               <a:t>Second level</a:t>
             </a:r>
           </a:p>
           <a:p>
             <a:pPr lvl="2"/>
             <a:r>
-              <a:rPr lang="en-US" dirty="0" smtClean="0"/>
+              <a:rPr lang="en-US" dirty="0"/>
               <a:t>Third level</a:t>
             </a:r>
           </a:p>
           <a:p>
             <a:pPr lvl="3"/>
             <a:r>
-              <a:rPr lang="en-US" dirty="0" smtClean="0"/>
+              <a:rPr lang="en-US" dirty="0"/>
               <a:t>Fourth level</a:t>
             </a:r>
           </a:p>
           <a:p>
             <a:pPr lvl="4"/>
             <a:r>
-              <a:rPr lang="en-US" dirty="0" smtClean="0"/>
+              <a:rPr lang="en-US" dirty="0"/>
               <a:t>Fifth level</a:t>
             </a:r>
-            <a:endParaRPr lang="en-US" dirty="0"/>
           </a:p>
         </p:txBody>
       </p:sp>
@@ -5963,7 +6187,7 @@
           <a:p>
             <a:fld id="{62ED8FAF-74E8-490D-A8BD-0DC8256C67E4}" type="datetimeFigureOut">
               <a:rPr lang="en-US" smtClean="0"/>
-              <a:t>2/8/2016</a:t>
+              <a:t>2/9/2016</a:t>
             </a:fld>
             <a:endParaRPr lang="en-US"/>
           </a:p>
@@ -6074,13 +6298,6 @@
     <p:sldLayoutId id="2147483676" r:id="rId16"/>
     <p:sldLayoutId id="2147483677" r:id="rId17"/>
   </p:sldLayoutIdLst>
-  <p:timing>
-    <p:tnLst>
-      <p:par>
-        <p:cTn id="1" dur="indefinite" restart="never" nodeType="tmRoot"/>
-      </p:par>
-    </p:tnLst>
-  </p:timing>
   <p:txStyles>
     <p:titleStyle>
       <a:lvl1pPr algn="l" defTabSz="457200" rtl="0" eaLnBrk="1" latinLnBrk="0" hangingPunct="1">
@@ -6506,10 +6723,9 @@
           <a:lstStyle/>
           <a:p>
             <a:r>
-              <a:rPr lang="en-US" dirty="0" smtClean="0"/>
+              <a:rPr lang="en-US" dirty="0"/>
               <a:t>Traffic Management system</a:t>
             </a:r>
-            <a:endParaRPr lang="en-US" dirty="0"/>
           </a:p>
         </p:txBody>
       </p:sp>
@@ -6536,7 +6752,7 @@
           <a:lstStyle/>
           <a:p>
             <a:r>
-              <a:rPr lang="en-US" dirty="0" smtClean="0"/>
+              <a:rPr lang="en-US" dirty="0"/>
               <a:t>BY :</a:t>
             </a:r>
           </a:p>
@@ -6550,19 +6766,15 @@
               <a:t> </a:t>
             </a:r>
             <a:r>
-              <a:rPr lang="en-IN" dirty="0" err="1" smtClean="0"/>
+              <a:rPr lang="en-IN" dirty="0" err="1"/>
               <a:t>Cherednychenko</a:t>
             </a:r>
-            <a:endParaRPr lang="en-IN" dirty="0" smtClean="0"/>
+            <a:endParaRPr lang="en-IN" dirty="0"/>
           </a:p>
           <a:p>
             <a:r>
               <a:rPr lang="en-IN" dirty="0"/>
-              <a:t>Esmond A. </a:t>
-            </a:r>
-            <a:r>
-              <a:rPr lang="en-IN" dirty="0" smtClean="0"/>
-              <a:t>Davison</a:t>
+              <a:t>Esmond A. Davison</a:t>
             </a:r>
           </a:p>
           <a:p>
@@ -6575,21 +6787,20 @@
               <a:t> </a:t>
             </a:r>
             <a:r>
-              <a:rPr lang="en-IN" dirty="0" err="1" smtClean="0"/>
+              <a:rPr lang="en-IN" dirty="0" err="1"/>
               <a:t>Rahimli</a:t>
             </a:r>
-            <a:endParaRPr lang="en-US" dirty="0" smtClean="0"/>
+            <a:endParaRPr lang="en-US" dirty="0"/>
           </a:p>
           <a:p>
             <a:r>
               <a:rPr lang="en-IN" dirty="0"/>
               <a:t>Kumar Awijeet </a:t>
             </a:r>
-            <a:endParaRPr lang="en-IN" dirty="0" smtClean="0"/>
-          </a:p>
-          <a:p>
-            <a:r>
-              <a:rPr lang="en-IN" dirty="0" smtClean="0"/>
+          </a:p>
+          <a:p>
+            <a:r>
+              <a:rPr lang="en-IN" dirty="0"/>
               <a:t>Jacek </a:t>
             </a:r>
             <a:r>
@@ -6602,7 +6813,7 @@
             </a:r>
           </a:p>
           <a:p>
-            <a:endParaRPr lang="en-US" dirty="0" smtClean="0"/>
+            <a:endParaRPr lang="en-US" dirty="0"/>
           </a:p>
         </p:txBody>
       </p:sp>
@@ -6768,10 +6979,9 @@
           <a:lstStyle/>
           <a:p>
             <a:r>
-              <a:rPr lang="en-US" dirty="0" smtClean="0"/>
+              <a:rPr lang="en-US" dirty="0"/>
               <a:t>Team organization</a:t>
             </a:r>
-            <a:endParaRPr lang="en-US" dirty="0"/>
           </a:p>
         </p:txBody>
       </p:sp>
@@ -6791,25 +7001,25 @@
           <a:lstStyle/>
           <a:p>
             <a:r>
-              <a:rPr lang="en-US" dirty="0" smtClean="0"/>
+              <a:rPr lang="en-US" dirty="0"/>
               <a:t>Equal participation</a:t>
             </a:r>
           </a:p>
           <a:p>
             <a:r>
-              <a:rPr lang="en-US" dirty="0" smtClean="0"/>
+              <a:rPr lang="en-US" dirty="0"/>
               <a:t>Dispute resolution process</a:t>
             </a:r>
           </a:p>
           <a:p>
             <a:r>
-              <a:rPr lang="en-US" dirty="0" smtClean="0"/>
+              <a:rPr lang="en-US" dirty="0"/>
               <a:t>Weekly meetings face to face</a:t>
             </a:r>
           </a:p>
           <a:p>
             <a:r>
-              <a:rPr lang="en-US" dirty="0" smtClean="0"/>
+              <a:rPr lang="en-US" dirty="0"/>
               <a:t>Kanban (“Trello”, “Hip chat”)</a:t>
             </a:r>
           </a:p>
@@ -6871,7 +7081,7 @@
           <p:nvPr/>
         </p:nvPicPr>
         <p:blipFill>
-          <a:blip r:embed="rId2">
+          <a:blip r:embed="rId3">
             <a:extLst>
               <a:ext uri="{28A0092B-C50C-407E-A947-70E740481C1C}">
                 <a14:useLocalDpi xmlns:a14="http://schemas.microsoft.com/office/drawing/2010/main" val="0"/>
@@ -6915,6 +7125,14 @@
 <file path=ppt/slides/slide5.xml><?xml version="1.0" encoding="utf-8"?>
 <p:sld xmlns:a="http://schemas.openxmlformats.org/drawingml/2006/main" xmlns:r="http://schemas.openxmlformats.org/officeDocument/2006/relationships" xmlns:p="http://schemas.openxmlformats.org/presentationml/2006/main">
   <p:cSld>
+    <p:bg>
+      <p:bgPr>
+        <a:solidFill>
+          <a:schemeClr val="tx1"/>
+        </a:solidFill>
+        <a:effectLst/>
+      </p:bgPr>
+    </p:bg>
     <p:spTree>
       <p:nvGrpSpPr>
         <p:cNvPr id="1" name=""/>
@@ -6938,7 +7156,7 @@
           <p:nvPr/>
         </p:nvPicPr>
         <p:blipFill>
-          <a:blip r:embed="rId2">
+          <a:blip r:embed="rId3">
             <a:extLst>
               <a:ext uri="{28A0092B-C50C-407E-A947-70E740481C1C}">
                 <a14:useLocalDpi xmlns:a14="http://schemas.microsoft.com/office/drawing/2010/main" val="0"/>
@@ -6951,14 +7169,211 @@
         </p:blipFill>
         <p:spPr>
           <a:xfrm>
-            <a:off x="2920874" y="2379"/>
-            <a:ext cx="6350251" cy="6853242"/>
+            <a:off x="3229660" y="1372655"/>
+            <a:ext cx="4335965" cy="4685390"/>
           </a:xfrm>
           <a:prstGeom prst="rect">
             <a:avLst/>
           </a:prstGeom>
         </p:spPr>
       </p:pic>
+      <p:sp>
+        <p:nvSpPr>
+          <p:cNvPr id="3" name="pole tekstowe 2"/>
+          <p:cNvSpPr txBox="1"/>
+          <p:nvPr/>
+        </p:nvSpPr>
+        <p:spPr>
+          <a:xfrm>
+            <a:off x="3658678" y="6423170"/>
+            <a:ext cx="8547019" cy="368300"/>
+          </a:xfrm>
+          <a:prstGeom prst="rect">
+            <a:avLst/>
+          </a:prstGeom>
+        </p:spPr>
+        <p:txBody>
+          <a:bodyPr rtlCol="0">
+            <a:spAutoFit/>
+          </a:bodyPr>
+          <a:lstStyle/>
+          <a:p>
+            <a:pPr algn="ctr"/>
+            <a:r>
+              <a:rPr lang="pl-PL" dirty="0" err="1">
+                <a:solidFill>
+                  <a:srgbClr val="000000"/>
+                </a:solidFill>
+              </a:rPr>
+              <a:t>Based</a:t>
+            </a:r>
+            <a:r>
+              <a:rPr lang="pl-PL" dirty="0">
+                <a:solidFill>
+                  <a:srgbClr val="000000"/>
+                </a:solidFill>
+              </a:rPr>
+              <a:t> on "</a:t>
+            </a:r>
+            <a:r>
+              <a:rPr lang="pl-PL" dirty="0">
+                <a:solidFill>
+                  <a:srgbClr val="000000"/>
+                </a:solidFill>
+                <a:latin typeface="Calibri" charset="0"/>
+              </a:rPr>
+              <a:t>A </a:t>
+            </a:r>
+            <a:r>
+              <a:rPr lang="pl-PL" dirty="0" err="1">
+                <a:solidFill>
+                  <a:srgbClr val="000000"/>
+                </a:solidFill>
+                <a:latin typeface="Calibri" charset="0"/>
+              </a:rPr>
+              <a:t>cellular</a:t>
+            </a:r>
+            <a:r>
+              <a:rPr lang="pl-PL" dirty="0">
+                <a:solidFill>
+                  <a:srgbClr val="000000"/>
+                </a:solidFill>
+                <a:latin typeface="Calibri" charset="0"/>
+              </a:rPr>
+              <a:t> </a:t>
+            </a:r>
+            <a:r>
+              <a:rPr lang="pl-PL" dirty="0" err="1">
+                <a:solidFill>
+                  <a:srgbClr val="000000"/>
+                </a:solidFill>
+                <a:latin typeface="Calibri" charset="0"/>
+              </a:rPr>
+              <a:t>automaton</a:t>
+            </a:r>
+            <a:r>
+              <a:rPr lang="pl-PL" dirty="0">
+                <a:solidFill>
+                  <a:srgbClr val="000000"/>
+                </a:solidFill>
+                <a:latin typeface="Calibri" charset="0"/>
+              </a:rPr>
+              <a:t> model for </a:t>
+            </a:r>
+            <a:r>
+              <a:rPr lang="pl-PL" dirty="0" err="1">
+                <a:solidFill>
+                  <a:srgbClr val="000000"/>
+                </a:solidFill>
+                <a:latin typeface="Calibri" charset="0"/>
+              </a:rPr>
+              <a:t>freeway</a:t>
+            </a:r>
+            <a:r>
+              <a:rPr lang="pl-PL" dirty="0">
+                <a:solidFill>
+                  <a:srgbClr val="000000"/>
+                </a:solidFill>
+                <a:latin typeface="Calibri" charset="0"/>
+              </a:rPr>
+              <a:t> </a:t>
+            </a:r>
+            <a:r>
+              <a:rPr lang="pl-PL" dirty="0" err="1">
+                <a:solidFill>
+                  <a:srgbClr val="000000"/>
+                </a:solidFill>
+                <a:latin typeface="Calibri" charset="0"/>
+              </a:rPr>
+              <a:t>traffic</a:t>
+            </a:r>
+            <a:r>
+              <a:rPr lang="pl-PL" dirty="0">
+                <a:solidFill>
+                  <a:srgbClr val="000000"/>
+                </a:solidFill>
+                <a:latin typeface="Calibri" charset="0"/>
+              </a:rPr>
+              <a:t>" K. </a:t>
+            </a:r>
+            <a:r>
+              <a:rPr lang="pl-PL" dirty="0" err="1">
+                <a:solidFill>
+                  <a:srgbClr val="000000"/>
+                </a:solidFill>
+                <a:latin typeface="Calibri" charset="0"/>
+              </a:rPr>
+              <a:t>Nagel</a:t>
+            </a:r>
+            <a:r>
+              <a:rPr lang="pl-PL" dirty="0">
+                <a:solidFill>
+                  <a:srgbClr val="000000"/>
+                </a:solidFill>
+                <a:latin typeface="Calibri" charset="0"/>
+              </a:rPr>
+              <a:t> and M. Schreckenberg</a:t>
+            </a:r>
+          </a:p>
+        </p:txBody>
+      </p:sp>
+      <p:sp>
+        <p:nvSpPr>
+          <p:cNvPr id="4" name="pole tekstowe 3"/>
+          <p:cNvSpPr txBox="1"/>
+          <p:nvPr/>
+        </p:nvSpPr>
+        <p:spPr>
+          <a:xfrm>
+            <a:off x="707362" y="369888"/>
+            <a:ext cx="8949401" cy="923330"/>
+          </a:xfrm>
+          <a:prstGeom prst="rect">
+            <a:avLst/>
+          </a:prstGeom>
+          <a:solidFill>
+            <a:schemeClr val="tx1"/>
+          </a:solidFill>
+          <a:ln>
+            <a:solidFill>
+              <a:schemeClr val="tx1"/>
+            </a:solidFill>
+          </a:ln>
+        </p:spPr>
+        <p:style>
+          <a:lnRef idx="2">
+            <a:schemeClr val="dk1"/>
+          </a:lnRef>
+          <a:fillRef idx="1">
+            <a:schemeClr val="lt1"/>
+          </a:fillRef>
+          <a:effectRef idx="0">
+            <a:schemeClr val="dk1"/>
+          </a:effectRef>
+          <a:fontRef idx="minor">
+            <a:schemeClr val="dk1"/>
+          </a:fontRef>
+        </p:style>
+        <p:txBody>
+          <a:bodyPr rtlCol="0">
+            <a:spAutoFit/>
+          </a:bodyPr>
+          <a:lstStyle/>
+          <a:p>
+            <a:pPr algn="ctr"/>
+            <a:r>
+              <a:rPr lang="pl-PL" sz="3600" dirty="0">
+                <a:latin typeface="Times New Roman" charset="0"/>
+              </a:rPr>
+              <a:t>NAGEL–SCHRECKENBERG MODEL</a:t>
+            </a:r>
+          </a:p>
+          <a:p>
+            <a:pPr algn="ctr"/>
+            <a:endParaRPr lang="pl-PL" dirty="0"/>
+          </a:p>
+        </p:txBody>
+      </p:sp>
     </p:spTree>
     <p:extLst>
       <p:ext uri="{BB962C8B-B14F-4D97-AF65-F5344CB8AC3E}">
@@ -6969,6 +7384,13 @@
   <p:clrMapOvr>
     <a:masterClrMapping/>
   </p:clrMapOvr>
+  <p:timing>
+    <p:tnLst>
+      <p:par>
+        <p:cTn id="1" dur="indefinite" restart="never" nodeType="tmRoot"/>
+      </p:par>
+    </p:tnLst>
+  </p:timing>
 </p:sld>
 </file>
 
